--- a/Final Data Science.pptx
+++ b/Final Data Science.pptx
@@ -10492,7 +10492,7 @@
           <a:p>
             <a:fld id="{D1D1EADE-8E88-4C7C-8AC5-FB148DE4940E}" type="datetime1">
               <a:rPr lang="en-US" smtClean="0"/>
-              <a:t>11/27/2024</a:t>
+              <a:t>12/7/2024</a:t>
             </a:fld>
             <a:endParaRPr lang="en-US"/>
           </a:p>
@@ -10692,7 +10692,7 @@
           <a:p>
             <a:fld id="{EC3C8B9C-477D-492A-96AD-1FC2CC997A73}" type="datetime1">
               <a:rPr lang="en-US" smtClean="0"/>
-              <a:t>11/27/2024</a:t>
+              <a:t>12/7/2024</a:t>
             </a:fld>
             <a:endParaRPr lang="en-US"/>
           </a:p>
@@ -10902,7 +10902,7 @@
           <a:p>
             <a:fld id="{42D3AED5-E26D-4E29-B1B3-7847B6779594}" type="datetime1">
               <a:rPr lang="en-US" smtClean="0"/>
-              <a:t>11/27/2024</a:t>
+              <a:t>12/7/2024</a:t>
             </a:fld>
             <a:endParaRPr lang="en-US"/>
           </a:p>
@@ -11102,7 +11102,7 @@
           <a:p>
             <a:fld id="{157B6794-849E-4626-908B-D15793550EFB}" type="datetime1">
               <a:rPr lang="en-US" smtClean="0"/>
-              <a:t>11/27/2024</a:t>
+              <a:t>12/7/2024</a:t>
             </a:fld>
             <a:endParaRPr lang="en-US"/>
           </a:p>
@@ -11378,7 +11378,7 @@
           <a:p>
             <a:fld id="{63DB64E7-5594-42A3-ADBF-E95A7ACEAD64}" type="datetime1">
               <a:rPr lang="en-US" smtClean="0"/>
-              <a:t>11/27/2024</a:t>
+              <a:t>12/7/2024</a:t>
             </a:fld>
             <a:endParaRPr lang="en-US"/>
           </a:p>
@@ -11651,7 +11651,7 @@
           <a:p>
             <a:fld id="{18462B0B-D248-4FFB-8695-AD7FA4B1284A}" type="datetime1">
               <a:rPr lang="en-US" smtClean="0"/>
-              <a:t>11/27/2024</a:t>
+              <a:t>12/7/2024</a:t>
             </a:fld>
             <a:endParaRPr lang="en-US"/>
           </a:p>
@@ -12074,7 +12074,7 @@
           <a:p>
             <a:fld id="{D0378EFB-9159-4510-B73F-4F0409ADE937}" type="datetime1">
               <a:rPr lang="en-US" smtClean="0"/>
-              <a:t>11/27/2024</a:t>
+              <a:t>12/7/2024</a:t>
             </a:fld>
             <a:endParaRPr lang="en-US"/>
           </a:p>
@@ -12216,7 +12216,7 @@
           <a:p>
             <a:fld id="{89BC9412-2452-4BED-A324-9D8C115361AD}" type="datetime1">
               <a:rPr lang="en-US" smtClean="0"/>
-              <a:t>11/27/2024</a:t>
+              <a:t>12/7/2024</a:t>
             </a:fld>
             <a:endParaRPr lang="en-US"/>
           </a:p>
@@ -12329,7 +12329,7 @@
           <a:p>
             <a:fld id="{F5318F62-D251-40E8-A23C-F4CFE9FEAB41}" type="datetime1">
               <a:rPr lang="en-US" smtClean="0"/>
-              <a:t>11/27/2024</a:t>
+              <a:t>12/7/2024</a:t>
             </a:fld>
             <a:endParaRPr lang="en-US"/>
           </a:p>
@@ -12642,7 +12642,7 @@
           <a:p>
             <a:fld id="{44F76144-149E-4874-93A5-554A0357CF82}" type="datetime1">
               <a:rPr lang="en-US" smtClean="0"/>
-              <a:t>11/27/2024</a:t>
+              <a:t>12/7/2024</a:t>
             </a:fld>
             <a:endParaRPr lang="en-US"/>
           </a:p>
@@ -12935,7 +12935,7 @@
           <a:p>
             <a:fld id="{50BA65D8-0540-4835-AE5C-25D29DBA01BE}" type="datetime1">
               <a:rPr lang="en-US" smtClean="0"/>
-              <a:t>11/27/2024</a:t>
+              <a:t>12/7/2024</a:t>
             </a:fld>
             <a:endParaRPr lang="en-US"/>
           </a:p>
@@ -13177,7 +13177,7 @@
           <a:p>
             <a:fld id="{E31BA835-12AC-4E8F-955A-EA3F4DE2791F}" type="datetime1">
               <a:rPr lang="en-US" smtClean="0"/>
-              <a:t>11/27/2024</a:t>
+              <a:t>12/7/2024</a:t>
             </a:fld>
             <a:endParaRPr lang="en-US"/>
           </a:p>
@@ -17171,7 +17171,7 @@
           <a:p>
             <a:r>
               <a:rPr lang="en-US"/>
-              <a:t>Limitation</a:t>
+              <a:t>Conclusion &amp; Limitation</a:t>
             </a:r>
             <a:endParaRPr lang="en-US" dirty="0"/>
           </a:p>
@@ -17299,15 +17299,66 @@
           <a:lstStyle/>
           <a:p>
             <a:r>
-              <a:rPr lang="en-US" dirty="0"/>
-              <a:t>ChatGPT</a:t>
+              <a:rPr lang="en-US"/>
+              <a:t>Google DeepMind. (n.d.). </a:t>
             </a:r>
+            <a:r>
+              <a:rPr lang="en-US" i="1"/>
+              <a:t>Gemini</a:t>
+            </a:r>
+            <a:r>
+              <a:rPr lang="en-US"/>
+              <a:t>. DeepMind. </a:t>
+            </a:r>
+            <a:r>
+              <a:rPr lang="en-US">
+                <a:hlinkClick r:id="rId2"/>
+              </a:rPr>
+              <a:t>https://www.deepmind.com</a:t>
+            </a:r>
+            <a:endParaRPr lang="en-US"/>
           </a:p>
           <a:p>
             <a:r>
-              <a:rPr lang="en-US" dirty="0"/>
-              <a:t>Gemini</a:t>
+              <a:rPr lang="en-US"/>
+              <a:t>Hugging Face. (n.d.). </a:t>
             </a:r>
+            <a:r>
+              <a:rPr lang="en-US" i="1"/>
+              <a:t>Hugging Face</a:t>
+            </a:r>
+            <a:r>
+              <a:rPr lang="en-US"/>
+              <a:t>. </a:t>
+            </a:r>
+            <a:r>
+              <a:rPr lang="en-US">
+                <a:hlinkClick r:id="rId3"/>
+              </a:rPr>
+              <a:t>https://huggingface.com</a:t>
+            </a:r>
+            <a:endParaRPr lang="en-US"/>
+          </a:p>
+          <a:p>
+            <a:r>
+              <a:rPr lang="en-US"/>
+              <a:t>OpenAI. (n.d.). </a:t>
+            </a:r>
+            <a:r>
+              <a:rPr lang="en-US" i="1"/>
+              <a:t>ChatGPT</a:t>
+            </a:r>
+            <a:r>
+              <a:rPr lang="en-US"/>
+              <a:t>. OpenAI. </a:t>
+            </a:r>
+            <a:r>
+              <a:rPr lang="en-US">
+                <a:hlinkClick r:id="rId4"/>
+              </a:rPr>
+              <a:t>https://www.openai.com</a:t>
+            </a:r>
+            <a:endParaRPr lang="en-US" dirty="0"/>
           </a:p>
         </p:txBody>
       </p:sp>
